--- a/docs/diagrams/WhiteBlackDiagrams/UndoRedoSequenceDiagram.pptx
+++ b/docs/diagrams/WhiteBlackDiagrams/UndoRedoSequenceDiagram.pptx
@@ -3447,7 +3447,7 @@
           <p:cNvPr id="8" name="Group 7">
             <a:extLst>
               <a:ext uri="{FF2B5EF4-FFF2-40B4-BE49-F238E27FC236}">
-                <a16:creationId xmlns:a16="http://schemas.microsoft.com/office/drawing/2014/main" id="{D07E11DC-73CD-B446-A3AB-EE788A2354C8}"/>
+                <a16:creationId xmlns:a16="http://schemas.microsoft.com/office/drawing/2014/main" id="{ACE6B5DE-E693-C747-9DB2-0A74929D436A}"/>
               </a:ext>
             </a:extLst>
           </p:cNvPr>
@@ -3456,107 +3456,12 @@
         </p:nvGrpSpPr>
         <p:grpSpPr>
           <a:xfrm>
-            <a:off x="-152400" y="1143000"/>
-            <a:ext cx="9144000" cy="4191000"/>
-            <a:chOff x="304800" y="1219200"/>
+            <a:off x="38100" y="228600"/>
+            <a:ext cx="9532918" cy="4343400"/>
+            <a:chOff x="38100" y="228600"/>
             <a:chExt cx="9532918" cy="4343400"/>
           </a:xfrm>
         </p:grpSpPr>
-        <p:cxnSp>
-          <p:nvCxnSpPr>
-            <p:cNvPr id="89" name="Straight Connector 88">
-              <a:extLst>
-                <a:ext uri="{FF2B5EF4-FFF2-40B4-BE49-F238E27FC236}">
-                  <a16:creationId xmlns:a16="http://schemas.microsoft.com/office/drawing/2014/main" id="{E4E1C8CA-49DF-45D8-80A5-D5C8282EE927}"/>
-                </a:ext>
-              </a:extLst>
-            </p:cNvPr>
-            <p:cNvCxnSpPr>
-              <a:cxnSpLocks/>
-            </p:cNvCxnSpPr>
-            <p:nvPr/>
-          </p:nvCxnSpPr>
-          <p:spPr>
-            <a:xfrm>
-              <a:off x="8857107" y="4183368"/>
-              <a:ext cx="0" cy="1150632"/>
-            </a:xfrm>
-            <a:prstGeom prst="line">
-              <a:avLst/>
-            </a:prstGeom>
-            <a:noFill/>
-            <a:ln w="19050">
-              <a:solidFill>
-                <a:schemeClr val="tx1"/>
-              </a:solidFill>
-              <a:prstDash val="sysDash"/>
-            </a:ln>
-            <a:effectLst/>
-          </p:spPr>
-          <p:style>
-            <a:lnRef idx="1">
-              <a:schemeClr val="accent1"/>
-            </a:lnRef>
-            <a:fillRef idx="2">
-              <a:schemeClr val="accent1"/>
-            </a:fillRef>
-            <a:effectRef idx="1">
-              <a:schemeClr val="accent1"/>
-            </a:effectRef>
-            <a:fontRef idx="minor">
-              <a:schemeClr val="dk1"/>
-            </a:fontRef>
-          </p:style>
-        </p:cxnSp>
-        <p:sp>
-          <p:nvSpPr>
-            <p:cNvPr id="93" name="TextBox 92"/>
-            <p:cNvSpPr txBox="1"/>
-            <p:nvPr/>
-          </p:nvSpPr>
-          <p:spPr>
-            <a:xfrm>
-              <a:off x="2991492" y="2896393"/>
-              <a:ext cx="220343" cy="215444"/>
-            </a:xfrm>
-            <a:prstGeom prst="rect">
-              <a:avLst/>
-            </a:prstGeom>
-            <a:noFill/>
-            <a:ln>
-              <a:solidFill>
-                <a:schemeClr val="bg1"/>
-              </a:solidFill>
-            </a:ln>
-          </p:spPr>
-          <p:txBody>
-            <a:bodyPr wrap="square" lIns="0" tIns="0" rIns="0" bIns="0" rtlCol="0">
-              <a:spAutoFit/>
-            </a:bodyPr>
-            <a:lstStyle>
-              <a:defPPr>
-                <a:defRPr lang="en-US"/>
-              </a:defPPr>
-              <a:lvl1pPr algn="r">
-                <a:defRPr sz="1400">
-                  <a:solidFill>
-                    <a:srgbClr val="0070C0"/>
-                  </a:solidFill>
-                </a:defRPr>
-              </a:lvl1pPr>
-            </a:lstStyle>
-            <a:p>
-              <a:r>
-                <a:rPr lang="en-US" dirty="0">
-                  <a:solidFill>
-                    <a:schemeClr val="tx1"/>
-                  </a:solidFill>
-                </a:rPr>
-                <a:t>u</a:t>
-              </a:r>
-            </a:p>
-          </p:txBody>
-        </p:sp>
         <p:sp>
           <p:nvSpPr>
             <p:cNvPr id="26" name="TextBox 25"/>
@@ -3565,7 +3470,7 @@
           </p:nvSpPr>
           <p:spPr>
             <a:xfrm>
-              <a:off x="304800" y="1981200"/>
+              <a:off x="38100" y="990600"/>
               <a:ext cx="1424846" cy="215444"/>
             </a:xfrm>
             <a:prstGeom prst="rect">
@@ -3600,7 +3505,7 @@
           </p:nvSpPr>
           <p:spPr>
             <a:xfrm>
-              <a:off x="3510121" y="3474671"/>
+              <a:off x="3243421" y="2484071"/>
               <a:ext cx="855809" cy="215444"/>
             </a:xfrm>
             <a:prstGeom prst="rect">
@@ -3649,7 +3554,7 @@
           </p:nvSpPr>
           <p:spPr>
             <a:xfrm>
-              <a:off x="6049432" y="3751596"/>
+              <a:off x="5782732" y="2760996"/>
               <a:ext cx="767033" cy="184666"/>
             </a:xfrm>
             <a:prstGeom prst="rect">
@@ -3706,7 +3611,7 @@
           </p:nvSpPr>
           <p:spPr>
             <a:xfrm>
-              <a:off x="2151889" y="2096750"/>
+              <a:off x="1885189" y="1106150"/>
               <a:ext cx="1899551" cy="215444"/>
             </a:xfrm>
             <a:prstGeom prst="rect">
@@ -3763,7 +3668,7 @@
           </p:nvSpPr>
           <p:spPr>
             <a:xfrm>
-              <a:off x="3539455" y="4781676"/>
+              <a:off x="3272755" y="3791076"/>
               <a:ext cx="621216" cy="215444"/>
             </a:xfrm>
             <a:prstGeom prst="rect">
@@ -3812,7 +3717,7 @@
           </p:nvSpPr>
           <p:spPr>
             <a:xfrm>
-              <a:off x="911970" y="4936501"/>
+              <a:off x="645270" y="3945901"/>
               <a:ext cx="762000" cy="215444"/>
             </a:xfrm>
             <a:prstGeom prst="rect">
@@ -3855,13 +3760,62 @@
         </p:sp>
         <p:sp>
           <p:nvSpPr>
+            <p:cNvPr id="93" name="TextBox 92"/>
+            <p:cNvSpPr txBox="1"/>
+            <p:nvPr/>
+          </p:nvSpPr>
+          <p:spPr>
+            <a:xfrm>
+              <a:off x="2724792" y="1905793"/>
+              <a:ext cx="220343" cy="215444"/>
+            </a:xfrm>
+            <a:prstGeom prst="rect">
+              <a:avLst/>
+            </a:prstGeom>
+            <a:noFill/>
+            <a:ln>
+              <a:solidFill>
+                <a:schemeClr val="bg1"/>
+              </a:solidFill>
+            </a:ln>
+          </p:spPr>
+          <p:txBody>
+            <a:bodyPr wrap="square" lIns="0" tIns="0" rIns="0" bIns="0" rtlCol="0">
+              <a:spAutoFit/>
+            </a:bodyPr>
+            <a:lstStyle>
+              <a:defPPr>
+                <a:defRPr lang="en-US"/>
+              </a:defPPr>
+              <a:lvl1pPr algn="r">
+                <a:defRPr sz="1400">
+                  <a:solidFill>
+                    <a:srgbClr val="0070C0"/>
+                  </a:solidFill>
+                </a:defRPr>
+              </a:lvl1pPr>
+            </a:lstStyle>
+            <a:p>
+              <a:r>
+                <a:rPr lang="en-US" dirty="0">
+                  <a:solidFill>
+                    <a:schemeClr val="tx1"/>
+                  </a:solidFill>
+                </a:rPr>
+                <a:t>u</a:t>
+              </a:r>
+            </a:p>
+          </p:txBody>
+        </p:sp>
+        <p:sp>
+          <p:nvSpPr>
             <p:cNvPr id="4" name="TextBox 3"/>
             <p:cNvSpPr txBox="1"/>
             <p:nvPr/>
           </p:nvSpPr>
           <p:spPr>
             <a:xfrm>
-              <a:off x="5739580" y="5248811"/>
+              <a:off x="5472880" y="4258211"/>
               <a:ext cx="258404" cy="261610"/>
             </a:xfrm>
             <a:prstGeom prst="rect">
@@ -3901,7 +3855,7 @@
           </p:nvSpPr>
           <p:spPr>
             <a:xfrm>
-              <a:off x="6234793" y="4091035"/>
+              <a:off x="5968093" y="3100435"/>
               <a:ext cx="767033" cy="184666"/>
             </a:xfrm>
             <a:prstGeom prst="rect">
@@ -3957,7 +3911,7 @@
           </p:nvSpPr>
           <p:spPr>
             <a:xfrm>
-              <a:off x="6338545" y="4415734"/>
+              <a:off x="6071845" y="3425134"/>
               <a:ext cx="767033" cy="184666"/>
             </a:xfrm>
             <a:prstGeom prst="rect">
@@ -4006,7 +3960,7 @@
           </p:nvSpPr>
           <p:spPr>
             <a:xfrm>
-              <a:off x="990600" y="1219200"/>
+              <a:off x="723900" y="228600"/>
               <a:ext cx="8847118" cy="4343400"/>
             </a:xfrm>
             <a:prstGeom prst="roundRect">
@@ -4064,8 +4018,8 @@
           </p:nvSpPr>
           <p:spPr>
             <a:xfrm>
-              <a:off x="1149845" y="1517218"/>
-              <a:ext cx="1617626" cy="364088"/>
+              <a:off x="883145" y="543946"/>
+              <a:ext cx="1455629" cy="346760"/>
             </a:xfrm>
             <a:prstGeom prst="rect">
               <a:avLst/>
@@ -4131,13 +4085,12 @@
           </p:nvCxnSpPr>
           <p:spPr>
             <a:xfrm>
-              <a:off x="1877659" y="1898217"/>
+              <a:off x="1610959" y="907617"/>
               <a:ext cx="0" cy="3481399"/>
             </a:xfrm>
             <a:prstGeom prst="line">
               <a:avLst/>
             </a:prstGeom>
-            <a:noFill/>
             <a:ln w="19050">
               <a:solidFill>
                 <a:schemeClr val="tx1"/>
@@ -4163,64 +4116,13 @@
         </p:cxnSp>
         <p:sp>
           <p:nvSpPr>
-            <p:cNvPr id="6" name="Rectangle 5"/>
-            <p:cNvSpPr/>
-            <p:nvPr/>
-          </p:nvSpPr>
-          <p:spPr>
-            <a:xfrm>
-              <a:off x="1805651" y="2248911"/>
-              <a:ext cx="152400" cy="2932689"/>
-            </a:xfrm>
-            <a:prstGeom prst="rect">
-              <a:avLst/>
-            </a:prstGeom>
-            <a:solidFill>
-              <a:schemeClr val="bg1"/>
-            </a:solidFill>
-            <a:ln>
-              <a:solidFill>
-                <a:schemeClr val="tx1"/>
-              </a:solidFill>
-            </a:ln>
-            <a:effectLst/>
-          </p:spPr>
-          <p:style>
-            <a:lnRef idx="1">
-              <a:schemeClr val="accent3"/>
-            </a:lnRef>
-            <a:fillRef idx="2">
-              <a:schemeClr val="accent3"/>
-            </a:fillRef>
-            <a:effectRef idx="1">
-              <a:schemeClr val="accent3"/>
-            </a:effectRef>
-            <a:fontRef idx="minor">
-              <a:schemeClr val="dk1"/>
-            </a:fontRef>
-          </p:style>
-          <p:txBody>
-            <a:bodyPr rtlCol="0" anchor="ctr"/>
-            <a:lstStyle/>
-            <a:p>
-              <a:pPr algn="ctr"/>
-              <a:endParaRPr lang="en-SG" sz="1400">
-                <a:solidFill>
-                  <a:schemeClr val="tx1"/>
-                </a:solidFill>
-              </a:endParaRPr>
-            </a:p>
-          </p:txBody>
-        </p:sp>
-        <p:sp>
-          <p:nvSpPr>
             <p:cNvPr id="16" name="Rectangle 62"/>
             <p:cNvSpPr/>
             <p:nvPr/>
           </p:nvSpPr>
           <p:spPr>
             <a:xfrm>
-              <a:off x="3703888" y="1413622"/>
+              <a:off x="3437188" y="423022"/>
               <a:ext cx="1219200" cy="467684"/>
             </a:xfrm>
             <a:prstGeom prst="rect">
@@ -4259,31 +4161,18 @@
                     <a:schemeClr val="tx1"/>
                   </a:solidFill>
                 </a:rPr>
-                <a:t>:</a:t>
+                <a:t>:Address</a:t>
               </a:r>
+            </a:p>
+            <a:p>
+              <a:pPr algn="ctr"/>
               <a:r>
                 <a:rPr lang="en-US" sz="1600" dirty="0" err="1">
                   <a:solidFill>
                     <a:schemeClr val="tx1"/>
                   </a:solidFill>
                 </a:rPr>
-                <a:t>CardBank</a:t>
-              </a:r>
-              <a:endParaRPr lang="en-US" sz="1600" dirty="0">
-                <a:solidFill>
-                  <a:schemeClr val="tx1"/>
-                </a:solidFill>
-              </a:endParaRPr>
-            </a:p>
-            <a:p>
-              <a:pPr algn="ctr"/>
-              <a:r>
-                <a:rPr lang="en-US" sz="1600" dirty="0">
-                  <a:solidFill>
-                    <a:schemeClr val="tx1"/>
-                  </a:solidFill>
-                </a:rPr>
-                <a:t>Parser</a:t>
+                <a:t>BookParser</a:t>
               </a:r>
               <a:endParaRPr lang="en-SG" sz="1600" dirty="0">
                 <a:solidFill>
@@ -4303,13 +4192,12 @@
           </p:nvCxnSpPr>
           <p:spPr>
             <a:xfrm>
-              <a:off x="4317287" y="1898217"/>
+              <a:off x="4050587" y="907617"/>
               <a:ext cx="0" cy="1482984"/>
             </a:xfrm>
             <a:prstGeom prst="line">
               <a:avLst/>
             </a:prstGeom>
-            <a:noFill/>
             <a:ln w="19050">
               <a:solidFill>
                 <a:schemeClr val="tx1"/>
@@ -4333,57 +4221,6 @@
             </a:fontRef>
           </p:style>
         </p:cxnSp>
-        <p:sp>
-          <p:nvSpPr>
-            <p:cNvPr id="18" name="Rectangle 17"/>
-            <p:cNvSpPr/>
-            <p:nvPr/>
-          </p:nvSpPr>
-          <p:spPr>
-            <a:xfrm>
-              <a:off x="4245280" y="2356410"/>
-              <a:ext cx="154408" cy="767790"/>
-            </a:xfrm>
-            <a:prstGeom prst="rect">
-              <a:avLst/>
-            </a:prstGeom>
-            <a:solidFill>
-              <a:schemeClr val="bg1"/>
-            </a:solidFill>
-            <a:ln>
-              <a:solidFill>
-                <a:schemeClr val="tx1"/>
-              </a:solidFill>
-            </a:ln>
-            <a:effectLst/>
-          </p:spPr>
-          <p:style>
-            <a:lnRef idx="1">
-              <a:schemeClr val="accent3"/>
-            </a:lnRef>
-            <a:fillRef idx="2">
-              <a:schemeClr val="accent3"/>
-            </a:fillRef>
-            <a:effectRef idx="1">
-              <a:schemeClr val="accent3"/>
-            </a:effectRef>
-            <a:fontRef idx="minor">
-              <a:schemeClr val="dk1"/>
-            </a:fontRef>
-          </p:style>
-          <p:txBody>
-            <a:bodyPr rtlCol="0" anchor="ctr"/>
-            <a:lstStyle/>
-            <a:p>
-              <a:pPr algn="ctr"/>
-              <a:endParaRPr lang="en-SG" sz="1400">
-                <a:solidFill>
-                  <a:schemeClr val="tx1"/>
-                </a:solidFill>
-              </a:endParaRPr>
-            </a:p>
-          </p:txBody>
-        </p:sp>
         <p:cxnSp>
           <p:nvCxnSpPr>
             <p:cNvPr id="20" name="Straight Connector 19"/>
@@ -4396,13 +4233,12 @@
           </p:nvCxnSpPr>
           <p:spPr>
             <a:xfrm flipH="1">
-              <a:off x="5868782" y="2712406"/>
-              <a:ext cx="1215" cy="2536405"/>
+              <a:off x="5602082" y="1721806"/>
+              <a:ext cx="4764" cy="2536405"/>
             </a:xfrm>
             <a:prstGeom prst="line">
               <a:avLst/>
             </a:prstGeom>
-            <a:noFill/>
             <a:ln w="19050">
               <a:solidFill>
                 <a:schemeClr val="tx1"/>
@@ -4426,57 +4262,6 @@
             </a:fontRef>
           </p:style>
         </p:cxnSp>
-        <p:sp>
-          <p:nvSpPr>
-            <p:cNvPr id="21" name="Rectangle 20"/>
-            <p:cNvSpPr/>
-            <p:nvPr/>
-          </p:nvSpPr>
-          <p:spPr>
-            <a:xfrm>
-              <a:off x="5792582" y="2712406"/>
-              <a:ext cx="154830" cy="167830"/>
-            </a:xfrm>
-            <a:prstGeom prst="rect">
-              <a:avLst/>
-            </a:prstGeom>
-            <a:solidFill>
-              <a:schemeClr val="bg1"/>
-            </a:solidFill>
-            <a:ln>
-              <a:solidFill>
-                <a:schemeClr val="tx1"/>
-              </a:solidFill>
-            </a:ln>
-            <a:effectLst/>
-          </p:spPr>
-          <p:style>
-            <a:lnRef idx="1">
-              <a:schemeClr val="accent3"/>
-            </a:lnRef>
-            <a:fillRef idx="2">
-              <a:schemeClr val="accent3"/>
-            </a:fillRef>
-            <a:effectRef idx="1">
-              <a:schemeClr val="accent3"/>
-            </a:effectRef>
-            <a:fontRef idx="minor">
-              <a:schemeClr val="dk1"/>
-            </a:fontRef>
-          </p:style>
-          <p:txBody>
-            <a:bodyPr rtlCol="0" anchor="ctr"/>
-            <a:lstStyle/>
-            <a:p>
-              <a:pPr algn="ctr"/>
-              <a:endParaRPr lang="en-SG" sz="1400">
-                <a:solidFill>
-                  <a:schemeClr val="tx1"/>
-                </a:solidFill>
-              </a:endParaRPr>
-            </a:p>
-          </p:txBody>
-        </p:sp>
         <p:cxnSp>
           <p:nvCxnSpPr>
             <p:cNvPr id="23" name="Straight Arrow Connector 22"/>
@@ -4485,13 +4270,12 @@
           </p:nvCxnSpPr>
           <p:spPr>
             <a:xfrm>
-              <a:off x="685800" y="2252599"/>
+              <a:off x="419100" y="1261999"/>
               <a:ext cx="1119851" cy="0"/>
             </a:xfrm>
             <a:prstGeom prst="straightConnector1">
               <a:avLst/>
             </a:prstGeom>
-            <a:noFill/>
             <a:ln w="19050">
               <a:solidFill>
                 <a:schemeClr val="tx1"/>
@@ -4522,13 +4306,12 @@
           </p:nvCxnSpPr>
           <p:spPr>
             <a:xfrm flipV="1">
-              <a:off x="4402672" y="2502940"/>
+              <a:off x="4135972" y="1512340"/>
               <a:ext cx="922392" cy="1"/>
             </a:xfrm>
             <a:prstGeom prst="straightConnector1">
               <a:avLst/>
             </a:prstGeom>
-            <a:noFill/>
             <a:ln w="19050">
               <a:solidFill>
                 <a:schemeClr val="tx1"/>
@@ -4559,13 +4342,12 @@
           </p:nvCxnSpPr>
           <p:spPr>
             <a:xfrm>
-              <a:off x="4375808" y="2868832"/>
+              <a:off x="4109108" y="1878232"/>
               <a:ext cx="1492974" cy="0"/>
             </a:xfrm>
             <a:prstGeom prst="straightConnector1">
               <a:avLst/>
             </a:prstGeom>
-            <a:noFill/>
             <a:ln w="19050">
               <a:solidFill>
                 <a:schemeClr val="tx1"/>
@@ -4600,13 +4382,12 @@
           </p:nvCxnSpPr>
           <p:spPr>
             <a:xfrm>
-              <a:off x="1958051" y="3124200"/>
+              <a:off x="1691351" y="2133600"/>
               <a:ext cx="2348067" cy="0"/>
             </a:xfrm>
             <a:prstGeom prst="straightConnector1">
               <a:avLst/>
             </a:prstGeom>
-            <a:noFill/>
             <a:ln w="19050">
               <a:solidFill>
                 <a:schemeClr val="tx1"/>
@@ -4639,13 +4420,12 @@
           </p:nvCxnSpPr>
           <p:spPr>
             <a:xfrm>
-              <a:off x="647699" y="5181600"/>
+              <a:off x="380999" y="4191000"/>
               <a:ext cx="1196051" cy="0"/>
             </a:xfrm>
             <a:prstGeom prst="straightConnector1">
               <a:avLst/>
             </a:prstGeom>
-            <a:noFill/>
             <a:ln w="19050">
               <a:solidFill>
                 <a:schemeClr val="tx1"/>
@@ -4678,7 +4458,7 @@
           </p:nvSpPr>
           <p:spPr>
             <a:xfrm>
-              <a:off x="5793188" y="3721913"/>
+              <a:off x="5526488" y="2731313"/>
               <a:ext cx="161322" cy="1307285"/>
             </a:xfrm>
             <a:prstGeom prst="rect">
@@ -4731,13 +4511,12 @@
           </p:nvCxnSpPr>
           <p:spPr>
             <a:xfrm>
-              <a:off x="5967033" y="4600400"/>
+              <a:off x="5700333" y="3609800"/>
               <a:ext cx="2813874" cy="0"/>
             </a:xfrm>
             <a:prstGeom prst="straightConnector1">
               <a:avLst/>
             </a:prstGeom>
-            <a:noFill/>
             <a:ln w="19050">
               <a:solidFill>
                 <a:schemeClr val="tx1"/>
@@ -4768,7 +4547,7 @@
           </p:nvSpPr>
           <p:spPr>
             <a:xfrm>
-              <a:off x="8093688" y="3772709"/>
+              <a:off x="7826988" y="2782109"/>
               <a:ext cx="1590354" cy="461538"/>
             </a:xfrm>
             <a:prstGeom prst="rect">
@@ -4817,57 +4596,6 @@
             </a:p>
           </p:txBody>
         </p:sp>
-        <p:sp>
-          <p:nvSpPr>
-            <p:cNvPr id="86" name="Rectangle 85"/>
-            <p:cNvSpPr/>
-            <p:nvPr/>
-          </p:nvSpPr>
-          <p:spPr>
-            <a:xfrm>
-              <a:off x="8780907" y="4589829"/>
-              <a:ext cx="152400" cy="313845"/>
-            </a:xfrm>
-            <a:prstGeom prst="rect">
-              <a:avLst/>
-            </a:prstGeom>
-            <a:solidFill>
-              <a:schemeClr val="bg1"/>
-            </a:solidFill>
-            <a:ln>
-              <a:solidFill>
-                <a:schemeClr val="tx1"/>
-              </a:solidFill>
-            </a:ln>
-            <a:effectLst/>
-          </p:spPr>
-          <p:style>
-            <a:lnRef idx="1">
-              <a:schemeClr val="accent3"/>
-            </a:lnRef>
-            <a:fillRef idx="2">
-              <a:schemeClr val="accent3"/>
-            </a:fillRef>
-            <a:effectRef idx="1">
-              <a:schemeClr val="accent3"/>
-            </a:effectRef>
-            <a:fontRef idx="minor">
-              <a:schemeClr val="dk1"/>
-            </a:fontRef>
-          </p:style>
-          <p:txBody>
-            <a:bodyPr rtlCol="0" anchor="ctr"/>
-            <a:lstStyle/>
-            <a:p>
-              <a:pPr algn="ctr"/>
-              <a:endParaRPr lang="en-SG" sz="1400">
-                <a:solidFill>
-                  <a:schemeClr val="tx1"/>
-                </a:solidFill>
-              </a:endParaRPr>
-            </a:p>
-          </p:txBody>
-        </p:sp>
         <p:cxnSp>
           <p:nvCxnSpPr>
             <p:cNvPr id="90" name="Straight Arrow Connector 89"/>
@@ -4878,13 +4606,12 @@
           </p:nvCxnSpPr>
           <p:spPr>
             <a:xfrm>
-              <a:off x="5952455" y="4890385"/>
+              <a:off x="5685755" y="3899785"/>
               <a:ext cx="2855065" cy="0"/>
             </a:xfrm>
             <a:prstGeom prst="straightConnector1">
               <a:avLst/>
             </a:prstGeom>
-            <a:noFill/>
             <a:ln w="19050">
               <a:solidFill>
                 <a:schemeClr val="tx1"/>
@@ -4917,7 +4644,7 @@
           </p:nvSpPr>
           <p:spPr>
             <a:xfrm>
-              <a:off x="6326260" y="3220945"/>
+              <a:off x="6059560" y="2230345"/>
               <a:ext cx="1778201" cy="432035"/>
             </a:xfrm>
             <a:prstGeom prst="rect">
@@ -4984,13 +4711,12 @@
           </p:nvCxnSpPr>
           <p:spPr>
             <a:xfrm>
-              <a:off x="7257148" y="3643906"/>
+              <a:off x="6990448" y="2653306"/>
               <a:ext cx="0" cy="838201"/>
             </a:xfrm>
             <a:prstGeom prst="line">
               <a:avLst/>
             </a:prstGeom>
-            <a:noFill/>
             <a:ln w="19050">
               <a:solidFill>
                 <a:schemeClr val="tx1"/>
@@ -5014,57 +4740,6 @@
             </a:fontRef>
           </p:style>
         </p:cxnSp>
-        <p:sp>
-          <p:nvSpPr>
-            <p:cNvPr id="49" name="Rectangle 48"/>
-            <p:cNvSpPr/>
-            <p:nvPr/>
-          </p:nvSpPr>
-          <p:spPr>
-            <a:xfrm>
-              <a:off x="7154226" y="3948707"/>
-              <a:ext cx="217409" cy="351475"/>
-            </a:xfrm>
-            <a:prstGeom prst="rect">
-              <a:avLst/>
-            </a:prstGeom>
-            <a:solidFill>
-              <a:schemeClr val="bg1"/>
-            </a:solidFill>
-            <a:ln>
-              <a:solidFill>
-                <a:schemeClr val="tx1"/>
-              </a:solidFill>
-            </a:ln>
-            <a:effectLst/>
-          </p:spPr>
-          <p:style>
-            <a:lnRef idx="1">
-              <a:schemeClr val="accent3"/>
-            </a:lnRef>
-            <a:fillRef idx="2">
-              <a:schemeClr val="accent3"/>
-            </a:fillRef>
-            <a:effectRef idx="1">
-              <a:schemeClr val="accent3"/>
-            </a:effectRef>
-            <a:fontRef idx="minor">
-              <a:schemeClr val="dk1"/>
-            </a:fontRef>
-          </p:style>
-          <p:txBody>
-            <a:bodyPr rtlCol="0" anchor="ctr"/>
-            <a:lstStyle/>
-            <a:p>
-              <a:pPr algn="ctr"/>
-              <a:endParaRPr lang="en-SG" sz="1400">
-                <a:solidFill>
-                  <a:schemeClr val="tx1"/>
-                </a:solidFill>
-              </a:endParaRPr>
-            </a:p>
-          </p:txBody>
-        </p:sp>
         <p:cxnSp>
           <p:nvCxnSpPr>
             <p:cNvPr id="50" name="Straight Arrow Connector 49"/>
@@ -5075,13 +4750,12 @@
           </p:nvCxnSpPr>
           <p:spPr>
             <a:xfrm>
-              <a:off x="5952455" y="3965944"/>
+              <a:off x="5685755" y="2975344"/>
               <a:ext cx="1210345" cy="0"/>
             </a:xfrm>
             <a:prstGeom prst="straightConnector1">
               <a:avLst/>
             </a:prstGeom>
-            <a:noFill/>
             <a:ln w="19050">
               <a:solidFill>
                 <a:schemeClr val="tx1"/>
@@ -5112,7 +4786,7 @@
           </p:nvSpPr>
           <p:spPr>
             <a:xfrm>
-              <a:off x="5302676" y="2250868"/>
+              <a:off x="5035976" y="1260268"/>
               <a:ext cx="1093635" cy="461538"/>
             </a:xfrm>
             <a:prstGeom prst="rect">
@@ -5192,13 +4866,12 @@
           </p:nvCxnSpPr>
           <p:spPr>
             <a:xfrm>
-              <a:off x="1958051" y="3721914"/>
+              <a:off x="1691351" y="2731314"/>
               <a:ext cx="3832164" cy="1"/>
             </a:xfrm>
             <a:prstGeom prst="straightConnector1">
               <a:avLst/>
             </a:prstGeom>
-            <a:noFill/>
             <a:ln w="19050">
               <a:solidFill>
                 <a:schemeClr val="tx1"/>
@@ -5237,13 +4910,12 @@
           </p:nvCxnSpPr>
           <p:spPr>
             <a:xfrm>
-              <a:off x="1974945" y="2354518"/>
+              <a:off x="1708245" y="1363918"/>
               <a:ext cx="2256705" cy="1"/>
             </a:xfrm>
             <a:prstGeom prst="straightConnector1">
               <a:avLst/>
             </a:prstGeom>
-            <a:noFill/>
             <a:ln w="19050">
               <a:solidFill>
                 <a:schemeClr val="tx1"/>
@@ -5282,13 +4954,12 @@
           </p:nvCxnSpPr>
           <p:spPr>
             <a:xfrm>
-              <a:off x="1958698" y="5027062"/>
+              <a:off x="1691998" y="4036462"/>
               <a:ext cx="3831517" cy="0"/>
             </a:xfrm>
             <a:prstGeom prst="straightConnector1">
               <a:avLst/>
             </a:prstGeom>
-            <a:noFill/>
             <a:ln w="19050">
               <a:solidFill>
                 <a:schemeClr val="tx1"/>
@@ -5329,13 +5000,12 @@
           </p:nvCxnSpPr>
           <p:spPr>
             <a:xfrm>
-              <a:off x="5997984" y="4292611"/>
+              <a:off x="5731284" y="3302011"/>
               <a:ext cx="1128490" cy="0"/>
             </a:xfrm>
             <a:prstGeom prst="straightConnector1">
               <a:avLst/>
             </a:prstGeom>
-            <a:noFill/>
             <a:ln w="19050">
               <a:solidFill>
                 <a:schemeClr val="tx1"/>
@@ -5360,6 +5030,306 @@
             </a:fontRef>
           </p:style>
         </p:cxnSp>
+        <p:cxnSp>
+          <p:nvCxnSpPr>
+            <p:cNvPr id="89" name="Straight Connector 88">
+              <a:extLst>
+                <a:ext uri="{FF2B5EF4-FFF2-40B4-BE49-F238E27FC236}">
+                  <a16:creationId xmlns:a16="http://schemas.microsoft.com/office/drawing/2014/main" id="{E4E1C8CA-49DF-45D8-80A5-D5C8282EE927}"/>
+                </a:ext>
+              </a:extLst>
+            </p:cNvPr>
+            <p:cNvCxnSpPr>
+              <a:cxnSpLocks/>
+            </p:cNvCxnSpPr>
+            <p:nvPr/>
+          </p:nvCxnSpPr>
+          <p:spPr>
+            <a:xfrm>
+              <a:off x="8590407" y="3192768"/>
+              <a:ext cx="0" cy="1150632"/>
+            </a:xfrm>
+            <a:prstGeom prst="line">
+              <a:avLst/>
+            </a:prstGeom>
+            <a:ln w="19050">
+              <a:solidFill>
+                <a:schemeClr val="tx1"/>
+              </a:solidFill>
+              <a:prstDash val="sysDash"/>
+            </a:ln>
+            <a:effectLst/>
+          </p:spPr>
+          <p:style>
+            <a:lnRef idx="1">
+              <a:schemeClr val="accent1"/>
+            </a:lnRef>
+            <a:fillRef idx="2">
+              <a:schemeClr val="accent1"/>
+            </a:fillRef>
+            <a:effectRef idx="1">
+              <a:schemeClr val="accent1"/>
+            </a:effectRef>
+            <a:fontRef idx="minor">
+              <a:schemeClr val="dk1"/>
+            </a:fontRef>
+          </p:style>
+        </p:cxnSp>
+        <p:sp>
+          <p:nvSpPr>
+            <p:cNvPr id="6" name="Rectangle 5"/>
+            <p:cNvSpPr/>
+            <p:nvPr/>
+          </p:nvSpPr>
+          <p:spPr>
+            <a:xfrm>
+              <a:off x="1538951" y="1258311"/>
+              <a:ext cx="152400" cy="2932689"/>
+            </a:xfrm>
+            <a:prstGeom prst="rect">
+              <a:avLst/>
+            </a:prstGeom>
+            <a:solidFill>
+              <a:schemeClr val="bg1"/>
+            </a:solidFill>
+            <a:ln>
+              <a:solidFill>
+                <a:schemeClr val="tx1"/>
+              </a:solidFill>
+            </a:ln>
+            <a:effectLst/>
+          </p:spPr>
+          <p:style>
+            <a:lnRef idx="1">
+              <a:schemeClr val="accent3"/>
+            </a:lnRef>
+            <a:fillRef idx="2">
+              <a:schemeClr val="accent3"/>
+            </a:fillRef>
+            <a:effectRef idx="1">
+              <a:schemeClr val="accent3"/>
+            </a:effectRef>
+            <a:fontRef idx="minor">
+              <a:schemeClr val="dk1"/>
+            </a:fontRef>
+          </p:style>
+          <p:txBody>
+            <a:bodyPr rtlCol="0" anchor="ctr"/>
+            <a:lstStyle/>
+            <a:p>
+              <a:pPr algn="ctr"/>
+              <a:endParaRPr lang="en-SG" sz="1400">
+                <a:solidFill>
+                  <a:schemeClr val="tx1"/>
+                </a:solidFill>
+              </a:endParaRPr>
+            </a:p>
+          </p:txBody>
+        </p:sp>
+        <p:sp>
+          <p:nvSpPr>
+            <p:cNvPr id="18" name="Rectangle 17"/>
+            <p:cNvSpPr/>
+            <p:nvPr/>
+          </p:nvSpPr>
+          <p:spPr>
+            <a:xfrm>
+              <a:off x="3978580" y="1365810"/>
+              <a:ext cx="154408" cy="767790"/>
+            </a:xfrm>
+            <a:prstGeom prst="rect">
+              <a:avLst/>
+            </a:prstGeom>
+            <a:solidFill>
+              <a:schemeClr val="bg1"/>
+            </a:solidFill>
+            <a:ln>
+              <a:solidFill>
+                <a:schemeClr val="tx1"/>
+              </a:solidFill>
+            </a:ln>
+            <a:effectLst/>
+          </p:spPr>
+          <p:style>
+            <a:lnRef idx="1">
+              <a:schemeClr val="accent3"/>
+            </a:lnRef>
+            <a:fillRef idx="2">
+              <a:schemeClr val="accent3"/>
+            </a:fillRef>
+            <a:effectRef idx="1">
+              <a:schemeClr val="accent3"/>
+            </a:effectRef>
+            <a:fontRef idx="minor">
+              <a:schemeClr val="dk1"/>
+            </a:fontRef>
+          </p:style>
+          <p:txBody>
+            <a:bodyPr rtlCol="0" anchor="ctr"/>
+            <a:lstStyle/>
+            <a:p>
+              <a:pPr algn="ctr"/>
+              <a:endParaRPr lang="en-SG" sz="1400">
+                <a:solidFill>
+                  <a:schemeClr val="tx1"/>
+                </a:solidFill>
+              </a:endParaRPr>
+            </a:p>
+          </p:txBody>
+        </p:sp>
+        <p:sp>
+          <p:nvSpPr>
+            <p:cNvPr id="21" name="Rectangle 20"/>
+            <p:cNvSpPr/>
+            <p:nvPr/>
+          </p:nvSpPr>
+          <p:spPr>
+            <a:xfrm>
+              <a:off x="5525882" y="1721806"/>
+              <a:ext cx="161928" cy="167830"/>
+            </a:xfrm>
+            <a:prstGeom prst="rect">
+              <a:avLst/>
+            </a:prstGeom>
+            <a:solidFill>
+              <a:schemeClr val="bg1"/>
+            </a:solidFill>
+            <a:ln>
+              <a:solidFill>
+                <a:schemeClr val="tx1"/>
+              </a:solidFill>
+            </a:ln>
+            <a:effectLst/>
+          </p:spPr>
+          <p:style>
+            <a:lnRef idx="1">
+              <a:schemeClr val="accent3"/>
+            </a:lnRef>
+            <a:fillRef idx="2">
+              <a:schemeClr val="accent3"/>
+            </a:fillRef>
+            <a:effectRef idx="1">
+              <a:schemeClr val="accent3"/>
+            </a:effectRef>
+            <a:fontRef idx="minor">
+              <a:schemeClr val="dk1"/>
+            </a:fontRef>
+          </p:style>
+          <p:txBody>
+            <a:bodyPr rtlCol="0" anchor="ctr"/>
+            <a:lstStyle/>
+            <a:p>
+              <a:pPr algn="ctr"/>
+              <a:endParaRPr lang="en-SG" sz="1400">
+                <a:solidFill>
+                  <a:schemeClr val="tx1"/>
+                </a:solidFill>
+              </a:endParaRPr>
+            </a:p>
+          </p:txBody>
+        </p:sp>
+        <p:sp>
+          <p:nvSpPr>
+            <p:cNvPr id="86" name="Rectangle 85"/>
+            <p:cNvSpPr/>
+            <p:nvPr/>
+          </p:nvSpPr>
+          <p:spPr>
+            <a:xfrm>
+              <a:off x="8514207" y="3599229"/>
+              <a:ext cx="152400" cy="313845"/>
+            </a:xfrm>
+            <a:prstGeom prst="rect">
+              <a:avLst/>
+            </a:prstGeom>
+            <a:solidFill>
+              <a:schemeClr val="bg1"/>
+            </a:solidFill>
+            <a:ln>
+              <a:solidFill>
+                <a:schemeClr val="tx1"/>
+              </a:solidFill>
+            </a:ln>
+            <a:effectLst/>
+          </p:spPr>
+          <p:style>
+            <a:lnRef idx="1">
+              <a:schemeClr val="accent3"/>
+            </a:lnRef>
+            <a:fillRef idx="2">
+              <a:schemeClr val="accent3"/>
+            </a:fillRef>
+            <a:effectRef idx="1">
+              <a:schemeClr val="accent3"/>
+            </a:effectRef>
+            <a:fontRef idx="minor">
+              <a:schemeClr val="dk1"/>
+            </a:fontRef>
+          </p:style>
+          <p:txBody>
+            <a:bodyPr rtlCol="0" anchor="ctr"/>
+            <a:lstStyle/>
+            <a:p>
+              <a:pPr algn="ctr"/>
+              <a:endParaRPr lang="en-SG" sz="1400">
+                <a:solidFill>
+                  <a:schemeClr val="tx1"/>
+                </a:solidFill>
+              </a:endParaRPr>
+            </a:p>
+          </p:txBody>
+        </p:sp>
+        <p:sp>
+          <p:nvSpPr>
+            <p:cNvPr id="49" name="Rectangle 48"/>
+            <p:cNvSpPr/>
+            <p:nvPr/>
+          </p:nvSpPr>
+          <p:spPr>
+            <a:xfrm>
+              <a:off x="6887526" y="2958107"/>
+              <a:ext cx="217409" cy="351475"/>
+            </a:xfrm>
+            <a:prstGeom prst="rect">
+              <a:avLst/>
+            </a:prstGeom>
+            <a:solidFill>
+              <a:schemeClr val="bg1"/>
+            </a:solidFill>
+            <a:ln>
+              <a:solidFill>
+                <a:schemeClr val="tx1"/>
+              </a:solidFill>
+            </a:ln>
+            <a:effectLst/>
+          </p:spPr>
+          <p:style>
+            <a:lnRef idx="1">
+              <a:schemeClr val="accent3"/>
+            </a:lnRef>
+            <a:fillRef idx="2">
+              <a:schemeClr val="accent3"/>
+            </a:fillRef>
+            <a:effectRef idx="1">
+              <a:schemeClr val="accent3"/>
+            </a:effectRef>
+            <a:fontRef idx="minor">
+              <a:schemeClr val="dk1"/>
+            </a:fontRef>
+          </p:style>
+          <p:txBody>
+            <a:bodyPr rtlCol="0" anchor="ctr"/>
+            <a:lstStyle/>
+            <a:p>
+              <a:pPr algn="ctr"/>
+              <a:endParaRPr lang="en-SG" sz="1400">
+                <a:solidFill>
+                  <a:schemeClr val="tx1"/>
+                </a:solidFill>
+              </a:endParaRPr>
+            </a:p>
+          </p:txBody>
+        </p:sp>
       </p:grpSp>
     </p:spTree>
     <p:extLst>
